--- a/Large Language Model Cheat Sheet.pptx
+++ b/Large Language Model Cheat Sheet.pptx
@@ -867,7 +867,7 @@
           <a:p>
             <a:fld id="{86CB4B4D-7CA3-9044-876B-883B54F8677D}" type="slidenum">
               <a:rPr/>
-              <a:t>‹N°›</a:t>
+              <a:t>‹#›</a:t>
             </a:fld>
             <a:endParaRPr dirty="0"/>
           </a:p>
@@ -1037,7 +1037,7 @@
           <a:p>
             <a:fld id="{86CB4B4D-7CA3-9044-876B-883B54F8677D}" type="slidenum">
               <a:rPr/>
-              <a:t>‹N°›</a:t>
+              <a:t>‹#›</a:t>
             </a:fld>
             <a:endParaRPr dirty="0"/>
           </a:p>
@@ -1119,7 +1119,7 @@
           <a:p>
             <a:fld id="{86CB4B4D-7CA3-9044-876B-883B54F8677D}" type="slidenum">
               <a:rPr/>
-              <a:t>‹N°›</a:t>
+              <a:t>‹#›</a:t>
             </a:fld>
             <a:endParaRPr dirty="0"/>
           </a:p>
@@ -1172,7 +1172,7 @@
           <a:p>
             <a:fld id="{86CB4B4D-7CA3-9044-876B-883B54F8677D}" type="slidenum">
               <a:rPr/>
-              <a:t>‹N°›</a:t>
+              <a:t>‹#›</a:t>
             </a:fld>
             <a:endParaRPr dirty="0"/>
           </a:p>
@@ -1386,7 +1386,7 @@
           <a:p>
             <a:fld id="{86CB4B4D-7CA3-9044-876B-883B54F8677D}" type="slidenum">
               <a:rPr/>
-              <a:t>‹N°›</a:t>
+              <a:t>‹#›</a:t>
             </a:fld>
             <a:endParaRPr dirty="0"/>
           </a:p>
@@ -1468,7 +1468,7 @@
           <a:p>
             <a:fld id="{86CB4B4D-7CA3-9044-876B-883B54F8677D}" type="slidenum">
               <a:rPr/>
-              <a:t>‹N°›</a:t>
+              <a:t>‹#›</a:t>
             </a:fld>
             <a:endParaRPr dirty="0"/>
           </a:p>
@@ -1687,7 +1687,7 @@
           <a:p>
             <a:fld id="{86CB4B4D-7CA3-9044-876B-883B54F8677D}" type="slidenum">
               <a:rPr/>
-              <a:t>‹N°›</a:t>
+              <a:t>‹#›</a:t>
             </a:fld>
             <a:endParaRPr dirty="0"/>
           </a:p>
@@ -1765,7 +1765,7 @@
           <a:p>
             <a:fld id="{86CB4B4D-7CA3-9044-876B-883B54F8677D}" type="slidenum">
               <a:rPr/>
-              <a:t>‹N°›</a:t>
+              <a:t>‹#›</a:t>
             </a:fld>
             <a:endParaRPr dirty="0"/>
           </a:p>
@@ -1892,7 +1892,7 @@
           <a:p>
             <a:fld id="{86CB4B4D-7CA3-9044-876B-883B54F8677D}" type="slidenum">
               <a:rPr/>
-              <a:t>‹N°›</a:t>
+              <a:t>‹#›</a:t>
             </a:fld>
             <a:endParaRPr dirty="0"/>
           </a:p>
@@ -2093,7 +2093,7 @@
           <a:p>
             <a:fld id="{86CB4B4D-7CA3-9044-876B-883B54F8677D}" type="slidenum">
               <a:rPr/>
-              <a:t>‹N°›</a:t>
+              <a:t>‹#›</a:t>
             </a:fld>
             <a:endParaRPr dirty="0"/>
           </a:p>
@@ -2199,7 +2199,7 @@
           <a:p>
             <a:fld id="{86CB4B4D-7CA3-9044-876B-883B54F8677D}" type="slidenum">
               <a:rPr/>
-              <a:t>‹N°›</a:t>
+              <a:t>‹#›</a:t>
             </a:fld>
             <a:endParaRPr dirty="0"/>
           </a:p>
@@ -2339,7 +2339,7 @@
           <a:p>
             <a:fld id="{86CB4B4D-7CA3-9044-876B-883B54F8677D}" type="slidenum">
               <a:rPr/>
-              <a:t>‹N°›</a:t>
+              <a:t>‹#›</a:t>
             </a:fld>
             <a:endParaRPr dirty="0"/>
           </a:p>
@@ -2402,7 +2402,7 @@
           </a:ln>
           <a:extLst>
             <a:ext uri="{C572A759-6A51-4108-AA02-DFA0A04FC94B}">
-              <ma14:wrappingTextBoxFlag xmlns="" xmlns:m="http://schemas.openxmlformats.org/officeDocument/2006/math" xmlns:a14="http://schemas.microsoft.com/office/drawing/2010/main" xmlns:ma14="http://schemas.microsoft.com/office/mac/drawingml/2011/main" val="1"/>
+              <ma14:wrappingTextBoxFlag xmlns:ma14="http://schemas.microsoft.com/office/mac/drawingml/2011/main" xmlns:a14="http://schemas.microsoft.com/office/drawing/2010/main" xmlns:m="http://schemas.openxmlformats.org/officeDocument/2006/math" xmlns="" val="1"/>
             </a:ext>
           </a:extLst>
         </p:spPr>
@@ -2441,7 +2441,7 @@
           </a:ln>
           <a:extLst>
             <a:ext uri="{C572A759-6A51-4108-AA02-DFA0A04FC94B}">
-              <ma14:wrappingTextBoxFlag xmlns="" xmlns:m="http://schemas.openxmlformats.org/officeDocument/2006/math" xmlns:a14="http://schemas.microsoft.com/office/drawing/2010/main" xmlns:ma14="http://schemas.microsoft.com/office/mac/drawingml/2011/main" val="1"/>
+              <ma14:wrappingTextBoxFlag xmlns:ma14="http://schemas.microsoft.com/office/mac/drawingml/2011/main" xmlns:a14="http://schemas.microsoft.com/office/drawing/2010/main" xmlns:m="http://schemas.openxmlformats.org/officeDocument/2006/math" xmlns="" val="1"/>
             </a:ext>
           </a:extLst>
         </p:spPr>
@@ -2526,7 +2526,7 @@
           <a:p>
             <a:fld id="{86CB4B4D-7CA3-9044-876B-883B54F8677D}" type="slidenum">
               <a:rPr/>
-              <a:t>‹N°›</a:t>
+              <a:t>‹#›</a:t>
             </a:fld>
             <a:endParaRPr dirty="0"/>
           </a:p>
@@ -3295,7 +3295,7 @@
           <p:nvPr/>
         </p:nvPicPr>
         <p:blipFill>
-          <a:blip r:embed="rId3">
+          <a:blip r:embed="rId3" cstate="print">
             <a:extLst>
               <a:ext uri="{28A0092B-C50C-407E-A947-70E740481C1C}">
                 <a14:useLocalDpi xmlns:a14="http://schemas.microsoft.com/office/drawing/2010/main" val="0"/>
@@ -4258,7 +4258,7 @@
           </a:ln>
           <a:extLst>
             <a:ext uri="{C572A759-6A51-4108-AA02-DFA0A04FC94B}">
-              <ma14:wrappingTextBoxFlag xmlns="" xmlns:m="http://schemas.openxmlformats.org/officeDocument/2006/math" xmlns:a14="http://schemas.microsoft.com/office/drawing/2010/main" xmlns:ma14="http://schemas.microsoft.com/office/mac/drawingml/2011/main" val="1"/>
+              <ma14:wrappingTextBoxFlag xmlns:ma14="http://schemas.microsoft.com/office/mac/drawingml/2011/main" xmlns:a14="http://schemas.microsoft.com/office/drawing/2010/main" xmlns:m="http://schemas.openxmlformats.org/officeDocument/2006/math" xmlns="" val="1"/>
             </a:ext>
           </a:extLst>
         </p:spPr>
@@ -4449,7 +4449,7 @@
           </a:ln>
           <a:extLst>
             <a:ext uri="{C572A759-6A51-4108-AA02-DFA0A04FC94B}">
-              <ma14:wrappingTextBoxFlag xmlns="" xmlns:m="http://schemas.openxmlformats.org/officeDocument/2006/math" xmlns:a14="http://schemas.microsoft.com/office/drawing/2010/main" xmlns:ma14="http://schemas.microsoft.com/office/mac/drawingml/2011/main" val="1"/>
+              <ma14:wrappingTextBoxFlag xmlns:ma14="http://schemas.microsoft.com/office/mac/drawingml/2011/main" xmlns:a14="http://schemas.microsoft.com/office/drawing/2010/main" xmlns:m="http://schemas.openxmlformats.org/officeDocument/2006/math" xmlns="" val="1"/>
             </a:ext>
           </a:extLst>
         </p:spPr>
@@ -4510,7 +4510,7 @@
           </a:ln>
           <a:extLst>
             <a:ext uri="{C572A759-6A51-4108-AA02-DFA0A04FC94B}">
-              <ma14:wrappingTextBoxFlag xmlns="" xmlns:m="http://schemas.openxmlformats.org/officeDocument/2006/math" xmlns:a14="http://schemas.microsoft.com/office/drawing/2010/main" xmlns:ma14="http://schemas.microsoft.com/office/mac/drawingml/2011/main" val="1"/>
+              <ma14:wrappingTextBoxFlag xmlns:ma14="http://schemas.microsoft.com/office/mac/drawingml/2011/main" xmlns:a14="http://schemas.microsoft.com/office/drawing/2010/main" xmlns:m="http://schemas.openxmlformats.org/officeDocument/2006/math" xmlns="" val="1"/>
             </a:ext>
           </a:extLst>
         </p:spPr>
@@ -4623,7 +4623,7 @@
           </a:ln>
           <a:extLst>
             <a:ext uri="{C572A759-6A51-4108-AA02-DFA0A04FC94B}">
-              <ma14:wrappingTextBoxFlag xmlns="" xmlns:m="http://schemas.openxmlformats.org/officeDocument/2006/math" xmlns:a14="http://schemas.microsoft.com/office/drawing/2010/main" xmlns:ma14="http://schemas.microsoft.com/office/mac/drawingml/2011/main" val="1"/>
+              <ma14:wrappingTextBoxFlag xmlns:ma14="http://schemas.microsoft.com/office/mac/drawingml/2011/main" xmlns:a14="http://schemas.microsoft.com/office/drawing/2010/main" xmlns:m="http://schemas.openxmlformats.org/officeDocument/2006/math" xmlns="" val="1"/>
             </a:ext>
           </a:extLst>
         </p:spPr>
@@ -4684,7 +4684,7 @@
           </a:ln>
           <a:extLst>
             <a:ext uri="{C572A759-6A51-4108-AA02-DFA0A04FC94B}">
-              <ma14:wrappingTextBoxFlag xmlns="" xmlns:m="http://schemas.openxmlformats.org/officeDocument/2006/math" xmlns:a14="http://schemas.microsoft.com/office/drawing/2010/main" xmlns:ma14="http://schemas.microsoft.com/office/mac/drawingml/2011/main" val="1"/>
+              <ma14:wrappingTextBoxFlag xmlns:ma14="http://schemas.microsoft.com/office/mac/drawingml/2011/main" xmlns:a14="http://schemas.microsoft.com/office/drawing/2010/main" xmlns:m="http://schemas.openxmlformats.org/officeDocument/2006/math" xmlns="" val="1"/>
             </a:ext>
           </a:extLst>
         </p:spPr>
@@ -4742,7 +4742,7 @@
           </a:ln>
           <a:extLst>
             <a:ext uri="{C572A759-6A51-4108-AA02-DFA0A04FC94B}">
-              <ma14:wrappingTextBoxFlag xmlns="" xmlns:m="http://schemas.openxmlformats.org/officeDocument/2006/math" xmlns:a14="http://schemas.microsoft.com/office/drawing/2010/main" xmlns:ma14="http://schemas.microsoft.com/office/mac/drawingml/2011/main" val="1"/>
+              <ma14:wrappingTextBoxFlag xmlns:ma14="http://schemas.microsoft.com/office/mac/drawingml/2011/main" xmlns:a14="http://schemas.microsoft.com/office/drawing/2010/main" xmlns:m="http://schemas.openxmlformats.org/officeDocument/2006/math" xmlns="" val="1"/>
             </a:ext>
           </a:extLst>
         </p:spPr>
@@ -4946,7 +4946,7 @@
           <p:nvPr/>
         </p:nvPicPr>
         <p:blipFill>
-          <a:blip r:embed="rId6" r:link="rId7">
+          <a:blip r:embed="rId6" r:link="rId7" cstate="print">
             <a:extLst>
               <a:ext uri="{28A0092B-C50C-407E-A947-70E740481C1C}">
                 <a14:useLocalDpi xmlns:a14="http://schemas.microsoft.com/office/drawing/2010/main" val="0"/>
@@ -5003,7 +5003,7 @@
           </a:ln>
           <a:extLst>
             <a:ext uri="{C572A759-6A51-4108-AA02-DFA0A04FC94B}">
-              <ma14:wrappingTextBoxFlag xmlns="" xmlns:m="http://schemas.openxmlformats.org/officeDocument/2006/math" xmlns:a14="http://schemas.microsoft.com/office/drawing/2010/main" xmlns:ma14="http://schemas.microsoft.com/office/mac/drawingml/2011/main" val="1"/>
+              <ma14:wrappingTextBoxFlag xmlns:ma14="http://schemas.microsoft.com/office/mac/drawingml/2011/main" xmlns:a14="http://schemas.microsoft.com/office/drawing/2010/main" xmlns:m="http://schemas.openxmlformats.org/officeDocument/2006/math" xmlns="" val="1"/>
             </a:ext>
           </a:extLst>
         </p:spPr>
@@ -5068,7 +5068,7 @@
           <p:nvPr/>
         </p:nvPicPr>
         <p:blipFill>
-          <a:blip r:embed="rId8">
+          <a:blip r:embed="rId8" cstate="print">
             <a:extLst>
               <a:ext uri="{28A0092B-C50C-407E-A947-70E740481C1C}">
                 <a14:useLocalDpi xmlns:a14="http://schemas.microsoft.com/office/drawing/2010/main" val="0"/>
@@ -5115,7 +5115,7 @@
           <p:nvPr/>
         </p:nvPicPr>
         <p:blipFill>
-          <a:blip r:embed="rId9">
+          <a:blip r:embed="rId9" cstate="print">
             <a:extLst>
               <a:ext uri="{28A0092B-C50C-407E-A947-70E740481C1C}">
                 <a14:useLocalDpi xmlns:a14="http://schemas.microsoft.com/office/drawing/2010/main" val="0"/>
@@ -5316,7 +5316,7 @@
           <p:nvPr/>
         </p:nvPicPr>
         <p:blipFill>
-          <a:blip r:embed="rId11">
+          <a:blip r:embed="rId11" cstate="print">
             <a:extLst>
               <a:ext uri="{28A0092B-C50C-407E-A947-70E740481C1C}">
                 <a14:useLocalDpi xmlns:a14="http://schemas.microsoft.com/office/drawing/2010/main" val="0"/>
@@ -5364,7 +5364,7 @@
           <p:nvPr/>
         </p:nvPicPr>
         <p:blipFill>
-          <a:blip r:embed="rId13">
+          <a:blip r:embed="rId13" cstate="print">
             <a:extLst>
               <a:ext uri="{28A0092B-C50C-407E-A947-70E740481C1C}">
                 <a14:useLocalDpi xmlns:a14="http://schemas.microsoft.com/office/drawing/2010/main" val="0"/>
@@ -5411,7 +5411,7 @@
           <p:nvPr/>
         </p:nvPicPr>
         <p:blipFill>
-          <a:blip r:embed="rId13">
+          <a:blip r:embed="rId13" cstate="print">
             <a:extLst>
               <a:ext uri="{28A0092B-C50C-407E-A947-70E740481C1C}">
                 <a14:useLocalDpi xmlns:a14="http://schemas.microsoft.com/office/drawing/2010/main" val="0"/>
@@ -5459,7 +5459,7 @@
           <p:nvPr/>
         </p:nvPicPr>
         <p:blipFill>
-          <a:blip r:embed="rId11">
+          <a:blip r:embed="rId11" cstate="print">
             <a:extLst>
               <a:ext uri="{28A0092B-C50C-407E-A947-70E740481C1C}">
                 <a14:useLocalDpi xmlns:a14="http://schemas.microsoft.com/office/drawing/2010/main" val="0"/>
@@ -5778,7 +5778,7 @@
           </a:ln>
           <a:extLst>
             <a:ext uri="{C572A759-6A51-4108-AA02-DFA0A04FC94B}">
-              <ma14:wrappingTextBoxFlag xmlns="" xmlns:m="http://schemas.openxmlformats.org/officeDocument/2006/math" xmlns:a14="http://schemas.microsoft.com/office/drawing/2010/main" xmlns:ma14="http://schemas.microsoft.com/office/mac/drawingml/2011/main" val="1"/>
+              <ma14:wrappingTextBoxFlag xmlns:ma14="http://schemas.microsoft.com/office/mac/drawingml/2011/main" xmlns:a14="http://schemas.microsoft.com/office/drawing/2010/main" xmlns:m="http://schemas.openxmlformats.org/officeDocument/2006/math" xmlns="" val="1"/>
             </a:ext>
           </a:extLst>
         </p:spPr>
@@ -5837,7 +5837,7 @@
           <p:nvPr/>
         </p:nvPicPr>
         <p:blipFill>
-          <a:blip r:embed="rId14">
+          <a:blip r:embed="rId14" cstate="print">
             <a:extLst>
               <a:ext uri="{28A0092B-C50C-407E-A947-70E740481C1C}">
                 <a14:useLocalDpi xmlns:a14="http://schemas.microsoft.com/office/drawing/2010/main" val="0"/>
@@ -5894,7 +5894,7 @@
           </a:ln>
           <a:extLst>
             <a:ext uri="{C572A759-6A51-4108-AA02-DFA0A04FC94B}">
-              <ma14:wrappingTextBoxFlag xmlns="" xmlns:m="http://schemas.openxmlformats.org/officeDocument/2006/math" xmlns:a14="http://schemas.microsoft.com/office/drawing/2010/main" xmlns:ma14="http://schemas.microsoft.com/office/mac/drawingml/2011/main" val="1"/>
+              <ma14:wrappingTextBoxFlag xmlns:ma14="http://schemas.microsoft.com/office/mac/drawingml/2011/main" xmlns:a14="http://schemas.microsoft.com/office/drawing/2010/main" xmlns:m="http://schemas.openxmlformats.org/officeDocument/2006/math" xmlns="" val="1"/>
             </a:ext>
           </a:extLst>
         </p:spPr>
@@ -6225,7 +6225,7 @@
           </a:ln>
           <a:extLst>
             <a:ext uri="{C572A759-6A51-4108-AA02-DFA0A04FC94B}">
-              <ma14:wrappingTextBoxFlag xmlns="" xmlns:m="http://schemas.openxmlformats.org/officeDocument/2006/math" xmlns:a14="http://schemas.microsoft.com/office/drawing/2010/main" xmlns:ma14="http://schemas.microsoft.com/office/mac/drawingml/2011/main" val="1"/>
+              <ma14:wrappingTextBoxFlag xmlns:ma14="http://schemas.microsoft.com/office/mac/drawingml/2011/main" xmlns:a14="http://schemas.microsoft.com/office/drawing/2010/main" xmlns:m="http://schemas.openxmlformats.org/officeDocument/2006/math" xmlns="" val="1"/>
             </a:ext>
           </a:extLst>
         </p:spPr>
@@ -6321,7 +6321,7 @@
           </a:ln>
           <a:extLst>
             <a:ext uri="{C572A759-6A51-4108-AA02-DFA0A04FC94B}">
-              <ma14:wrappingTextBoxFlag xmlns="" xmlns:m="http://schemas.openxmlformats.org/officeDocument/2006/math" xmlns:a14="http://schemas.microsoft.com/office/drawing/2010/main" xmlns:ma14="http://schemas.microsoft.com/office/mac/drawingml/2011/main" val="1"/>
+              <ma14:wrappingTextBoxFlag xmlns:ma14="http://schemas.microsoft.com/office/mac/drawingml/2011/main" xmlns:a14="http://schemas.microsoft.com/office/drawing/2010/main" xmlns:m="http://schemas.openxmlformats.org/officeDocument/2006/math" xmlns="" val="1"/>
             </a:ext>
           </a:extLst>
         </p:spPr>
@@ -6441,7 +6441,7 @@
           <p:nvPr/>
         </p:nvPicPr>
         <p:blipFill>
-          <a:blip r:embed="rId15">
+          <a:blip r:embed="rId15" cstate="print">
             <a:extLst>
               <a:ext uri="{28A0092B-C50C-407E-A947-70E740481C1C}">
                 <a14:useLocalDpi xmlns:a14="http://schemas.microsoft.com/office/drawing/2010/main" val="0"/>
@@ -6498,7 +6498,7 @@
           </a:ln>
           <a:extLst>
             <a:ext uri="{C572A759-6A51-4108-AA02-DFA0A04FC94B}">
-              <ma14:wrappingTextBoxFlag xmlns="" xmlns:m="http://schemas.openxmlformats.org/officeDocument/2006/math" xmlns:a14="http://schemas.microsoft.com/office/drawing/2010/main" xmlns:ma14="http://schemas.microsoft.com/office/mac/drawingml/2011/main" val="1"/>
+              <ma14:wrappingTextBoxFlag xmlns:ma14="http://schemas.microsoft.com/office/mac/drawingml/2011/main" xmlns:a14="http://schemas.microsoft.com/office/drawing/2010/main" xmlns:m="http://schemas.openxmlformats.org/officeDocument/2006/math" xmlns="" val="1"/>
             </a:ext>
           </a:extLst>
         </p:spPr>
@@ -6649,7 +6649,7 @@
           <p:nvPr/>
         </p:nvPicPr>
         <p:blipFill>
-          <a:blip r:embed="rId16">
+          <a:blip r:embed="rId16" cstate="print">
             <a:extLst>
               <a:ext uri="{28A0092B-C50C-407E-A947-70E740481C1C}">
                 <a14:useLocalDpi xmlns:a14="http://schemas.microsoft.com/office/drawing/2010/main" val="0"/>
@@ -7049,7 +7049,7 @@
           </a:ln>
           <a:extLst>
             <a:ext uri="{C572A759-6A51-4108-AA02-DFA0A04FC94B}">
-              <ma14:wrappingTextBoxFlag xmlns="" xmlns:m="http://schemas.openxmlformats.org/officeDocument/2006/math" xmlns:a14="http://schemas.microsoft.com/office/drawing/2010/main" xmlns:ma14="http://schemas.microsoft.com/office/mac/drawingml/2011/main" val="1"/>
+              <ma14:wrappingTextBoxFlag xmlns:ma14="http://schemas.microsoft.com/office/mac/drawingml/2011/main" xmlns:a14="http://schemas.microsoft.com/office/drawing/2010/main" xmlns:m="http://schemas.openxmlformats.org/officeDocument/2006/math" xmlns="" val="1"/>
             </a:ext>
           </a:extLst>
         </p:spPr>
@@ -7135,7 +7135,7 @@
           <p:nvPr/>
         </p:nvPicPr>
         <p:blipFill>
-          <a:blip r:embed="rId18">
+          <a:blip r:embed="rId18" cstate="print">
             <a:extLst>
               <a:ext uri="{28A0092B-C50C-407E-A947-70E740481C1C}">
                 <a14:useLocalDpi xmlns:a14="http://schemas.microsoft.com/office/drawing/2010/main" val="0"/>
@@ -7182,7 +7182,7 @@
           <p:nvPr/>
         </p:nvPicPr>
         <p:blipFill>
-          <a:blip r:embed="rId19">
+          <a:blip r:embed="rId19" cstate="print">
             <a:extLst>
               <a:ext uri="{28A0092B-C50C-407E-A947-70E740481C1C}">
                 <a14:useLocalDpi xmlns:a14="http://schemas.microsoft.com/office/drawing/2010/main" val="0"/>
@@ -7314,7 +7314,7 @@
           <p:nvPr/>
         </p:nvPicPr>
         <p:blipFill>
-          <a:blip r:embed="rId3">
+          <a:blip r:embed="rId3" cstate="print">
             <a:extLst>
               <a:ext uri="{28A0092B-C50C-407E-A947-70E740481C1C}">
                 <a14:useLocalDpi xmlns:a14="http://schemas.microsoft.com/office/drawing/2010/main" val="0"/>
@@ -7361,7 +7361,7 @@
           <p:nvPr/>
         </p:nvPicPr>
         <p:blipFill>
-          <a:blip r:embed="rId4">
+          <a:blip r:embed="rId4" cstate="print">
             <a:extLst>
               <a:ext uri="{28A0092B-C50C-407E-A947-70E740481C1C}">
                 <a14:useLocalDpi xmlns:a14="http://schemas.microsoft.com/office/drawing/2010/main" val="0"/>
@@ -8388,7 +8388,7 @@
           </a:ln>
           <a:extLst>
             <a:ext uri="{C572A759-6A51-4108-AA02-DFA0A04FC94B}">
-              <ma14:wrappingTextBoxFlag xmlns="" xmlns:m="http://schemas.openxmlformats.org/officeDocument/2006/math" xmlns:a14="http://schemas.microsoft.com/office/drawing/2010/main" xmlns:ma14="http://schemas.microsoft.com/office/mac/drawingml/2011/main" val="1"/>
+              <ma14:wrappingTextBoxFlag xmlns:ma14="http://schemas.microsoft.com/office/mac/drawingml/2011/main" xmlns:a14="http://schemas.microsoft.com/office/drawing/2010/main" xmlns:m="http://schemas.openxmlformats.org/officeDocument/2006/math" xmlns="" val="1"/>
             </a:ext>
           </a:extLst>
         </p:spPr>
@@ -8507,7 +8507,7 @@
           <p:nvPr/>
         </p:nvPicPr>
         <p:blipFill>
-          <a:blip r:embed="rId6">
+          <a:blip r:embed="rId6" cstate="print">
             <a:extLst>
               <a:ext uri="{28A0092B-C50C-407E-A947-70E740481C1C}">
                 <a14:useLocalDpi xmlns:a14="http://schemas.microsoft.com/office/drawing/2010/main" val="0"/>
@@ -8555,7 +8555,7 @@
           <p:nvPr/>
         </p:nvPicPr>
         <p:blipFill>
-          <a:blip r:embed="rId8">
+          <a:blip r:embed="rId8" cstate="print">
             <a:extLst>
               <a:ext uri="{28A0092B-C50C-407E-A947-70E740481C1C}">
                 <a14:useLocalDpi xmlns:a14="http://schemas.microsoft.com/office/drawing/2010/main" val="0"/>
@@ -8603,7 +8603,7 @@
           <p:nvPr/>
         </p:nvPicPr>
         <p:blipFill>
-          <a:blip r:embed="rId8">
+          <a:blip r:embed="rId8" cstate="print">
             <a:extLst>
               <a:ext uri="{28A0092B-C50C-407E-A947-70E740481C1C}">
                 <a14:useLocalDpi xmlns:a14="http://schemas.microsoft.com/office/drawing/2010/main" val="0"/>
@@ -8651,7 +8651,7 @@
           <p:nvPr/>
         </p:nvPicPr>
         <p:blipFill>
-          <a:blip r:embed="rId6">
+          <a:blip r:embed="rId6" cstate="print">
             <a:extLst>
               <a:ext uri="{28A0092B-C50C-407E-A947-70E740481C1C}">
                 <a14:useLocalDpi xmlns:a14="http://schemas.microsoft.com/office/drawing/2010/main" val="0"/>
@@ -8778,7 +8778,7 @@
           </a:ln>
           <a:extLst>
             <a:ext uri="{C572A759-6A51-4108-AA02-DFA0A04FC94B}">
-              <ma14:wrappingTextBoxFlag xmlns="" xmlns:m="http://schemas.openxmlformats.org/officeDocument/2006/math" xmlns:a14="http://schemas.microsoft.com/office/drawing/2010/main" xmlns:ma14="http://schemas.microsoft.com/office/mac/drawingml/2011/main" val="1"/>
+              <ma14:wrappingTextBoxFlag xmlns:ma14="http://schemas.microsoft.com/office/mac/drawingml/2011/main" xmlns:a14="http://schemas.microsoft.com/office/drawing/2010/main" xmlns:m="http://schemas.openxmlformats.org/officeDocument/2006/math" xmlns="" val="1"/>
             </a:ext>
           </a:extLst>
         </p:spPr>
@@ -9068,7 +9068,7 @@
           <p:nvPr/>
         </p:nvPicPr>
         <p:blipFill>
-          <a:blip r:embed="rId11">
+          <a:blip r:embed="rId11" cstate="print">
             <a:extLst>
               <a:ext uri="{28A0092B-C50C-407E-A947-70E740481C1C}">
                 <a14:useLocalDpi xmlns:a14="http://schemas.microsoft.com/office/drawing/2010/main" val="0"/>
@@ -9150,7 +9150,7 @@
           <p:nvPr/>
         </p:nvPicPr>
         <p:blipFill>
-          <a:blip r:embed="rId12">
+          <a:blip r:embed="rId12" cstate="print">
             <a:extLst>
               <a:ext uri="{28A0092B-C50C-407E-A947-70E740481C1C}">
                 <a14:useLocalDpi xmlns:a14="http://schemas.microsoft.com/office/drawing/2010/main" val="0"/>
@@ -9197,7 +9197,7 @@
           <p:nvPr/>
         </p:nvPicPr>
         <p:blipFill>
-          <a:blip r:embed="rId13">
+          <a:blip r:embed="rId13" cstate="print">
             <a:extLst>
               <a:ext uri="{28A0092B-C50C-407E-A947-70E740481C1C}">
                 <a14:useLocalDpi xmlns:a14="http://schemas.microsoft.com/office/drawing/2010/main" val="0"/>
@@ -9244,7 +9244,7 @@
           <p:nvPr/>
         </p:nvPicPr>
         <p:blipFill>
-          <a:blip r:embed="rId14">
+          <a:blip r:embed="rId14" cstate="print">
             <a:extLst>
               <a:ext uri="{28A0092B-C50C-407E-A947-70E740481C1C}">
                 <a14:useLocalDpi xmlns:a14="http://schemas.microsoft.com/office/drawing/2010/main" val="0"/>
@@ -9291,7 +9291,7 @@
           <p:nvPr/>
         </p:nvPicPr>
         <p:blipFill>
-          <a:blip r:embed="rId15">
+          <a:blip r:embed="rId15" cstate="print">
             <a:extLst>
               <a:ext uri="{28A0092B-C50C-407E-A947-70E740481C1C}">
                 <a14:useLocalDpi xmlns:a14="http://schemas.microsoft.com/office/drawing/2010/main" val="0"/>
@@ -9470,7 +9470,7 @@
           </a:ln>
           <a:extLst>
             <a:ext uri="{C572A759-6A51-4108-AA02-DFA0A04FC94B}">
-              <ma14:wrappingTextBoxFlag xmlns="" xmlns:m="http://schemas.openxmlformats.org/officeDocument/2006/math" xmlns:a14="http://schemas.microsoft.com/office/drawing/2010/main" xmlns:ma14="http://schemas.microsoft.com/office/mac/drawingml/2011/main" val="1"/>
+              <ma14:wrappingTextBoxFlag xmlns:ma14="http://schemas.microsoft.com/office/mac/drawingml/2011/main" xmlns:a14="http://schemas.microsoft.com/office/drawing/2010/main" xmlns:m="http://schemas.openxmlformats.org/officeDocument/2006/math" xmlns="" val="1"/>
             </a:ext>
           </a:extLst>
         </p:spPr>
@@ -9529,7 +9529,7 @@
           <p:nvPr/>
         </p:nvPicPr>
         <p:blipFill>
-          <a:blip r:embed="rId16">
+          <a:blip r:embed="rId16" cstate="print">
             <a:extLst>
               <a:ext uri="{28A0092B-C50C-407E-A947-70E740481C1C}">
                 <a14:useLocalDpi xmlns:a14="http://schemas.microsoft.com/office/drawing/2010/main" val="0"/>
@@ -9586,7 +9586,7 @@
           </a:ln>
           <a:extLst>
             <a:ext uri="{C572A759-6A51-4108-AA02-DFA0A04FC94B}">
-              <ma14:wrappingTextBoxFlag xmlns="" xmlns:m="http://schemas.openxmlformats.org/officeDocument/2006/math" xmlns:a14="http://schemas.microsoft.com/office/drawing/2010/main" xmlns:ma14="http://schemas.microsoft.com/office/mac/drawingml/2011/main" val="1"/>
+              <ma14:wrappingTextBoxFlag xmlns:ma14="http://schemas.microsoft.com/office/mac/drawingml/2011/main" xmlns:a14="http://schemas.microsoft.com/office/drawing/2010/main" xmlns:m="http://schemas.openxmlformats.org/officeDocument/2006/math" xmlns="" val="1"/>
             </a:ext>
           </a:extLst>
         </p:spPr>
@@ -9988,7 +9988,7 @@
           </a:ln>
           <a:extLst>
             <a:ext uri="{C572A759-6A51-4108-AA02-DFA0A04FC94B}">
-              <ma14:wrappingTextBoxFlag xmlns:ma14="http://schemas.microsoft.com/office/mac/drawingml/2011/main" xmlns:a14="http://schemas.microsoft.com/office/drawing/2010/main" xmlns:m="http://schemas.openxmlformats.org/officeDocument/2006/math" xmlns="" val="1"/>
+              <ma14:wrappingTextBoxFlag xmlns="" xmlns:m="http://schemas.openxmlformats.org/officeDocument/2006/math" xmlns:a14="http://schemas.microsoft.com/office/drawing/2010/main" xmlns:ma14="http://schemas.microsoft.com/office/mac/drawingml/2011/main" val="1"/>
             </a:ext>
           </a:extLst>
         </p:spPr>
@@ -10148,7 +10148,7 @@
           </a:ln>
           <a:extLst>
             <a:ext uri="{C572A759-6A51-4108-AA02-DFA0A04FC94B}">
-              <ma14:wrappingTextBoxFlag xmlns:ma14="http://schemas.microsoft.com/office/mac/drawingml/2011/main" xmlns:a14="http://schemas.microsoft.com/office/drawing/2010/main" xmlns:m="http://schemas.openxmlformats.org/officeDocument/2006/math" xmlns="" val="1"/>
+              <ma14:wrappingTextBoxFlag xmlns="" xmlns:m="http://schemas.openxmlformats.org/officeDocument/2006/math" xmlns:a14="http://schemas.microsoft.com/office/drawing/2010/main" xmlns:ma14="http://schemas.microsoft.com/office/mac/drawingml/2011/main" val="1"/>
             </a:ext>
           </a:extLst>
         </p:spPr>
@@ -10215,7 +10215,7 @@
           </a:ln>
           <a:extLst>
             <a:ext uri="{C572A759-6A51-4108-AA02-DFA0A04FC94B}">
-              <ma14:wrappingTextBoxFlag xmlns:ma14="http://schemas.microsoft.com/office/mac/drawingml/2011/main" xmlns:a14="http://schemas.microsoft.com/office/drawing/2010/main" xmlns:m="http://schemas.openxmlformats.org/officeDocument/2006/math" xmlns="" val="1"/>
+              <ma14:wrappingTextBoxFlag xmlns="" xmlns:m="http://schemas.openxmlformats.org/officeDocument/2006/math" xmlns:a14="http://schemas.microsoft.com/office/drawing/2010/main" xmlns:ma14="http://schemas.microsoft.com/office/mac/drawingml/2011/main" val="1"/>
             </a:ext>
           </a:extLst>
         </p:spPr>
@@ -10612,7 +10612,7 @@
           </a:ln>
           <a:extLst>
             <a:ext uri="{C572A759-6A51-4108-AA02-DFA0A04FC94B}">
-              <ma14:wrappingTextBoxFlag xmlns="" xmlns:m="http://schemas.openxmlformats.org/officeDocument/2006/math" xmlns:a14="http://schemas.microsoft.com/office/drawing/2010/main" xmlns:ma14="http://schemas.microsoft.com/office/mac/drawingml/2011/main" val="1"/>
+              <ma14:wrappingTextBoxFlag xmlns:ma14="http://schemas.microsoft.com/office/mac/drawingml/2011/main" xmlns:a14="http://schemas.microsoft.com/office/drawing/2010/main" xmlns:m="http://schemas.openxmlformats.org/officeDocument/2006/math" xmlns="" val="1"/>
             </a:ext>
           </a:extLst>
         </p:spPr>
@@ -10766,7 +10766,7 @@
           <p:nvPr/>
         </p:nvPicPr>
         <p:blipFill>
-          <a:blip r:embed="rId18">
+          <a:blip r:embed="rId18" cstate="print">
             <a:extLst>
               <a:ext uri="{28A0092B-C50C-407E-A947-70E740481C1C}">
                 <a14:useLocalDpi xmlns:a14="http://schemas.microsoft.com/office/drawing/2010/main" val="0"/>
@@ -11143,7 +11143,7 @@
           <p:nvPr/>
         </p:nvPicPr>
         <p:blipFill>
-          <a:blip r:embed="rId20">
+          <a:blip r:embed="rId20" cstate="print">
             <a:extLst>
               <a:ext uri="{28A0092B-C50C-407E-A947-70E740481C1C}">
                 <a14:useLocalDpi xmlns:a14="http://schemas.microsoft.com/office/drawing/2010/main" val="0"/>
@@ -11190,7 +11190,7 @@
           <p:nvPr/>
         </p:nvPicPr>
         <p:blipFill>
-          <a:blip r:embed="rId20">
+          <a:blip r:embed="rId20" cstate="print">
             <a:extLst>
               <a:ext uri="{28A0092B-C50C-407E-A947-70E740481C1C}">
                 <a14:useLocalDpi xmlns:a14="http://schemas.microsoft.com/office/drawing/2010/main" val="0"/>
@@ -11237,7 +11237,7 @@
           <p:nvPr/>
         </p:nvPicPr>
         <p:blipFill>
-          <a:blip r:embed="rId21">
+          <a:blip r:embed="rId21" cstate="print">
             <a:extLst>
               <a:ext uri="{28A0092B-C50C-407E-A947-70E740481C1C}">
                 <a14:useLocalDpi xmlns:a14="http://schemas.microsoft.com/office/drawing/2010/main" val="0"/>
@@ -11284,7 +11284,7 @@
           <p:nvPr/>
         </p:nvPicPr>
         <p:blipFill>
-          <a:blip r:embed="rId22">
+          <a:blip r:embed="rId22" cstate="print">
             <a:extLst>
               <a:ext uri="{28A0092B-C50C-407E-A947-70E740481C1C}">
                 <a14:useLocalDpi xmlns:a14="http://schemas.microsoft.com/office/drawing/2010/main" val="0"/>
@@ -11331,7 +11331,7 @@
           <p:nvPr/>
         </p:nvPicPr>
         <p:blipFill>
-          <a:blip r:embed="rId23">
+          <a:blip r:embed="rId23" cstate="print">
             <a:extLst>
               <a:ext uri="{28A0092B-C50C-407E-A947-70E740481C1C}">
                 <a14:useLocalDpi xmlns:a14="http://schemas.microsoft.com/office/drawing/2010/main" val="0"/>
@@ -11388,7 +11388,7 @@
           </a:ln>
           <a:extLst>
             <a:ext uri="{C572A759-6A51-4108-AA02-DFA0A04FC94B}">
-              <ma14:wrappingTextBoxFlag xmlns="" xmlns:m="http://schemas.openxmlformats.org/officeDocument/2006/math" xmlns:a14="http://schemas.microsoft.com/office/drawing/2010/main" xmlns:ma14="http://schemas.microsoft.com/office/mac/drawingml/2011/main" val="1"/>
+              <ma14:wrappingTextBoxFlag xmlns:ma14="http://schemas.microsoft.com/office/mac/drawingml/2011/main" xmlns:a14="http://schemas.microsoft.com/office/drawing/2010/main" xmlns:m="http://schemas.openxmlformats.org/officeDocument/2006/math" xmlns="" val="1"/>
             </a:ext>
           </a:extLst>
         </p:spPr>
@@ -12541,7 +12541,7 @@
           <p:nvPr/>
         </p:nvPicPr>
         <p:blipFill>
-          <a:blip r:embed="rId4">
+          <a:blip r:embed="rId4" cstate="print">
             <a:extLst>
               <a:ext uri="{28A0092B-C50C-407E-A947-70E740481C1C}">
                 <a14:useLocalDpi xmlns:a14="http://schemas.microsoft.com/office/drawing/2010/main" val="0"/>
@@ -12589,7 +12589,7 @@
           <p:nvPr/>
         </p:nvPicPr>
         <p:blipFill>
-          <a:blip r:embed="rId6">
+          <a:blip r:embed="rId6" cstate="print">
             <a:extLst>
               <a:ext uri="{28A0092B-C50C-407E-A947-70E740481C1C}">
                 <a14:useLocalDpi xmlns:a14="http://schemas.microsoft.com/office/drawing/2010/main" val="0"/>
@@ -12637,7 +12637,7 @@
           <p:nvPr/>
         </p:nvPicPr>
         <p:blipFill>
-          <a:blip r:embed="rId6">
+          <a:blip r:embed="rId6" cstate="print">
             <a:extLst>
               <a:ext uri="{28A0092B-C50C-407E-A947-70E740481C1C}">
                 <a14:useLocalDpi xmlns:a14="http://schemas.microsoft.com/office/drawing/2010/main" val="0"/>
@@ -12685,7 +12685,7 @@
           <p:nvPr/>
         </p:nvPicPr>
         <p:blipFill>
-          <a:blip r:embed="rId4">
+          <a:blip r:embed="rId4" cstate="print">
             <a:extLst>
               <a:ext uri="{28A0092B-C50C-407E-A947-70E740481C1C}">
                 <a14:useLocalDpi xmlns:a14="http://schemas.microsoft.com/office/drawing/2010/main" val="0"/>
@@ -12777,7 +12777,7 @@
           </a:ln>
           <a:extLst>
             <a:ext uri="{C572A759-6A51-4108-AA02-DFA0A04FC94B}">
-              <ma14:wrappingTextBoxFlag xmlns:ma14="http://schemas.microsoft.com/office/mac/drawingml/2011/main" xmlns:a14="http://schemas.microsoft.com/office/drawing/2010/main" xmlns:m="http://schemas.openxmlformats.org/officeDocument/2006/math" xmlns="" val="1"/>
+              <ma14:wrappingTextBoxFlag xmlns="" xmlns:m="http://schemas.openxmlformats.org/officeDocument/2006/math" xmlns:a14="http://schemas.microsoft.com/office/drawing/2010/main" xmlns:ma14="http://schemas.microsoft.com/office/mac/drawingml/2011/main" val="1"/>
             </a:ext>
           </a:extLst>
         </p:spPr>
@@ -12864,7 +12864,7 @@
           <p:nvPr/>
         </p:nvPicPr>
         <p:blipFill>
-          <a:blip r:embed="rId10">
+          <a:blip r:embed="rId10" cstate="print">
             <a:extLst>
               <a:ext uri="{28A0092B-C50C-407E-A947-70E740481C1C}">
                 <a14:useLocalDpi xmlns:a14="http://schemas.microsoft.com/office/drawing/2010/main" val="0"/>
@@ -12911,7 +12911,7 @@
           <p:nvPr/>
         </p:nvPicPr>
         <p:blipFill>
-          <a:blip r:embed="rId11">
+          <a:blip r:embed="rId11" cstate="print">
             <a:extLst>
               <a:ext uri="{28A0092B-C50C-407E-A947-70E740481C1C}">
                 <a14:useLocalDpi xmlns:a14="http://schemas.microsoft.com/office/drawing/2010/main" val="0"/>
@@ -13015,7 +13015,7 @@
           </a:ln>
           <a:extLst>
             <a:ext uri="{C572A759-6A51-4108-AA02-DFA0A04FC94B}">
-              <ma14:wrappingTextBoxFlag xmlns:ma14="http://schemas.microsoft.com/office/mac/drawingml/2011/main" xmlns:a14="http://schemas.microsoft.com/office/drawing/2010/main" xmlns:m="http://schemas.openxmlformats.org/officeDocument/2006/math" xmlns="" val="1"/>
+              <ma14:wrappingTextBoxFlag xmlns="" xmlns:m="http://schemas.openxmlformats.org/officeDocument/2006/math" xmlns:a14="http://schemas.microsoft.com/office/drawing/2010/main" xmlns:ma14="http://schemas.microsoft.com/office/mac/drawingml/2011/main" val="1"/>
             </a:ext>
           </a:extLst>
         </p:spPr>
@@ -13158,7 +13158,7 @@
           </a:ln>
           <a:extLst>
             <a:ext uri="{C572A759-6A51-4108-AA02-DFA0A04FC94B}">
-              <ma14:wrappingTextBoxFlag xmlns:ma14="http://schemas.microsoft.com/office/mac/drawingml/2011/main" xmlns:a14="http://schemas.microsoft.com/office/drawing/2010/main" xmlns:m="http://schemas.openxmlformats.org/officeDocument/2006/math" xmlns="" val="1"/>
+              <ma14:wrappingTextBoxFlag xmlns="" xmlns:m="http://schemas.openxmlformats.org/officeDocument/2006/math" xmlns:a14="http://schemas.microsoft.com/office/drawing/2010/main" xmlns:ma14="http://schemas.microsoft.com/office/mac/drawingml/2011/main" val="1"/>
             </a:ext>
           </a:extLst>
         </p:spPr>
@@ -13254,7 +13254,7 @@
           </a:ln>
           <a:extLst>
             <a:ext uri="{C572A759-6A51-4108-AA02-DFA0A04FC94B}">
-              <ma14:wrappingTextBoxFlag xmlns="" xmlns:m="http://schemas.openxmlformats.org/officeDocument/2006/math" xmlns:a14="http://schemas.microsoft.com/office/drawing/2010/main" xmlns:ma14="http://schemas.microsoft.com/office/mac/drawingml/2011/main" val="1"/>
+              <ma14:wrappingTextBoxFlag xmlns:ma14="http://schemas.microsoft.com/office/mac/drawingml/2011/main" xmlns:a14="http://schemas.microsoft.com/office/drawing/2010/main" xmlns:m="http://schemas.openxmlformats.org/officeDocument/2006/math" xmlns="" val="1"/>
             </a:ext>
           </a:extLst>
         </p:spPr>
